--- a/lectures/intro/CS142Intro1Slides.pptx
+++ b/lectures/intro/CS142Intro1Slides.pptx
@@ -17,23 +17,26 @@
     <p:sldId id="262" r:id="rId12"/>
     <p:sldId id="263" r:id="rId13"/>
     <p:sldId id="264" r:id="rId14"/>
+    <p:sldId id="265" r:id="rId15"/>
+    <p:sldId id="266" r:id="rId16"/>
+    <p:sldId id="267" r:id="rId17"/>
   </p:sldIdLst>
   <p:sldSz cy="5143500" cx="9144000"/>
   <p:notesSz cx="6858000" cy="9144000"/>
   <p:embeddedFontLst>
     <p:embeddedFont>
       <p:font typeface="Montserrat"/>
-      <p:regular r:id="rId15"/>
-      <p:bold r:id="rId16"/>
-      <p:italic r:id="rId17"/>
-      <p:boldItalic r:id="rId18"/>
+      <p:regular r:id="rId18"/>
+      <p:bold r:id="rId19"/>
+      <p:italic r:id="rId20"/>
+      <p:boldItalic r:id="rId21"/>
     </p:embeddedFont>
     <p:embeddedFont>
       <p:font typeface="Lato"/>
-      <p:regular r:id="rId19"/>
-      <p:bold r:id="rId20"/>
-      <p:italic r:id="rId21"/>
-      <p:boldItalic r:id="rId22"/>
+      <p:regular r:id="rId22"/>
+      <p:bold r:id="rId23"/>
+      <p:italic r:id="rId24"/>
+      <p:boldItalic r:id="rId25"/>
     </p:embeddedFont>
   </p:embeddedFontLst>
   <p:defaultTextStyle>
@@ -809,12 +812,12 @@
 </p:notes>
 </file>
 
-<file path=ppt/notesSlides/notesSlide2.xml><?xml version="1.0" encoding="utf-8"?>
+<file path=ppt/notesSlides/notesSlide10.xml><?xml version="1.0" encoding="utf-8"?>
 <p:notes xmlns:a="http://schemas.openxmlformats.org/drawingml/2006/main" xmlns:r="http://schemas.openxmlformats.org/officeDocument/2006/relationships" xmlns:mc="http://schemas.openxmlformats.org/markup-compatibility/2006" xmlns:mv="urn:schemas-microsoft-com:mac:vml" xmlns:p="http://schemas.openxmlformats.org/presentationml/2006/main" xmlns:c="http://schemas.openxmlformats.org/drawingml/2006/chart" xmlns:dgm="http://schemas.openxmlformats.org/drawingml/2006/diagram" xmlns:o="urn:schemas-microsoft-com:office:office" xmlns:v="urn:schemas-microsoft-com:vml" xmlns:pvml="urn:schemas-microsoft-com:office:powerpoint" xmlns:com="http://schemas.openxmlformats.org/drawingml/2006/compatibility" xmlns:p14="http://schemas.microsoft.com/office/powerpoint/2010/main" xmlns:p15="http://schemas.microsoft.com/office/powerpoint/2012/main" xmlns:ahyp="http://schemas.microsoft.com/office/drawing/2018/hyperlinkcolor" showMasterPhAnim="0" showMasterSp="0">
   <p:cSld>
     <p:spTree>
       <p:nvGrpSpPr>
-        <p:cNvPr id="136" name="Shape 136"/>
+        <p:cNvPr id="184" name="Shape 184"/>
         <p:cNvGrpSpPr/>
         <p:nvPr/>
       </p:nvGrpSpPr>
@@ -828,7 +831,7 @@
       </p:grpSpPr>
       <p:sp>
         <p:nvSpPr>
-          <p:cNvPr id="137" name="Google Shape;137;g2764f3aeb44_0_125:notes"/>
+          <p:cNvPr id="185" name="Google Shape;185;g2764f3aeb44_0_161:notes"/>
           <p:cNvSpPr/>
           <p:nvPr>
             <p:ph idx="2" type="sldImg"/>
@@ -863,7 +866,304 @@
       </p:sp>
       <p:sp>
         <p:nvSpPr>
-          <p:cNvPr id="138" name="Google Shape;138;g2764f3aeb44_0_125:notes"/>
+          <p:cNvPr id="186" name="Google Shape;186;g2764f3aeb44_0_161:notes"/>
+          <p:cNvSpPr txBox="1"/>
+          <p:nvPr>
+            <p:ph idx="1" type="body"/>
+          </p:nvPr>
+        </p:nvSpPr>
+        <p:spPr>
+          <a:xfrm>
+            <a:off x="685800" y="4343400"/>
+            <a:ext cx="5486400" cy="4114800"/>
+          </a:xfrm>
+          <a:prstGeom prst="rect">
+            <a:avLst/>
+          </a:prstGeom>
+        </p:spPr>
+        <p:txBody>
+          <a:bodyPr anchorCtr="0" anchor="t" bIns="91425" lIns="91425" spcFirstLastPara="1" rIns="91425" wrap="square" tIns="91425">
+            <a:noAutofit/>
+          </a:bodyPr>
+          <a:lstStyle/>
+          <a:p>
+            <a:pPr indent="0" lvl="0" marL="0" rtl="0" algn="l">
+              <a:spcBef>
+                <a:spcPts val="0"/>
+              </a:spcBef>
+              <a:spcAft>
+                <a:spcPts val="0"/>
+              </a:spcAft>
+              <a:buNone/>
+            </a:pPr>
+            <a:r>
+              <a:t/>
+            </a:r>
+            <a:endParaRPr/>
+          </a:p>
+        </p:txBody>
+      </p:sp>
+    </p:spTree>
+  </p:cSld>
+  <p:clrMapOvr>
+    <a:masterClrMapping/>
+  </p:clrMapOvr>
+</p:notes>
+</file>
+
+<file path=ppt/notesSlides/notesSlide11.xml><?xml version="1.0" encoding="utf-8"?>
+<p:notes xmlns:a="http://schemas.openxmlformats.org/drawingml/2006/main" xmlns:r="http://schemas.openxmlformats.org/officeDocument/2006/relationships" xmlns:mc="http://schemas.openxmlformats.org/markup-compatibility/2006" xmlns:mv="urn:schemas-microsoft-com:mac:vml" xmlns:p="http://schemas.openxmlformats.org/presentationml/2006/main" xmlns:c="http://schemas.openxmlformats.org/drawingml/2006/chart" xmlns:dgm="http://schemas.openxmlformats.org/drawingml/2006/diagram" xmlns:o="urn:schemas-microsoft-com:office:office" xmlns:v="urn:schemas-microsoft-com:vml" xmlns:pvml="urn:schemas-microsoft-com:office:powerpoint" xmlns:com="http://schemas.openxmlformats.org/drawingml/2006/compatibility" xmlns:p14="http://schemas.microsoft.com/office/powerpoint/2010/main" xmlns:p15="http://schemas.microsoft.com/office/powerpoint/2012/main" xmlns:ahyp="http://schemas.microsoft.com/office/drawing/2018/hyperlinkcolor" showMasterPhAnim="0" showMasterSp="0">
+  <p:cSld>
+    <p:spTree>
+      <p:nvGrpSpPr>
+        <p:cNvPr id="190" name="Shape 190"/>
+        <p:cNvGrpSpPr/>
+        <p:nvPr/>
+      </p:nvGrpSpPr>
+      <p:grpSpPr>
+        <a:xfrm>
+          <a:off x="0" y="0"/>
+          <a:ext cx="0" cy="0"/>
+          <a:chOff x="0" y="0"/>
+          <a:chExt cx="0" cy="0"/>
+        </a:xfrm>
+      </p:grpSpPr>
+      <p:sp>
+        <p:nvSpPr>
+          <p:cNvPr id="191" name="Google Shape;191;g2adb125f715_0_6:notes"/>
+          <p:cNvSpPr/>
+          <p:nvPr>
+            <p:ph idx="2" type="sldImg"/>
+          </p:nvPr>
+        </p:nvSpPr>
+        <p:spPr>
+          <a:xfrm>
+            <a:off x="381300" y="685800"/>
+            <a:ext cx="6096000" cy="3429000"/>
+          </a:xfrm>
+          <a:custGeom>
+            <a:rect b="b" l="l" r="r" t="t"/>
+            <a:pathLst>
+              <a:path extrusionOk="0" h="120000" w="120000">
+                <a:moveTo>
+                  <a:pt x="0" y="0"/>
+                </a:moveTo>
+                <a:lnTo>
+                  <a:pt x="120000" y="0"/>
+                </a:lnTo>
+                <a:lnTo>
+                  <a:pt x="120000" y="120000"/>
+                </a:lnTo>
+                <a:lnTo>
+                  <a:pt x="0" y="120000"/>
+                </a:lnTo>
+                <a:close/>
+              </a:path>
+            </a:pathLst>
+          </a:custGeom>
+        </p:spPr>
+      </p:sp>
+      <p:sp>
+        <p:nvSpPr>
+          <p:cNvPr id="192" name="Google Shape;192;g2adb125f715_0_6:notes"/>
+          <p:cNvSpPr txBox="1"/>
+          <p:nvPr>
+            <p:ph idx="1" type="body"/>
+          </p:nvPr>
+        </p:nvSpPr>
+        <p:spPr>
+          <a:xfrm>
+            <a:off x="685800" y="4343400"/>
+            <a:ext cx="5486400" cy="4114800"/>
+          </a:xfrm>
+          <a:prstGeom prst="rect">
+            <a:avLst/>
+          </a:prstGeom>
+        </p:spPr>
+        <p:txBody>
+          <a:bodyPr anchorCtr="0" anchor="t" bIns="91425" lIns="91425" spcFirstLastPara="1" rIns="91425" wrap="square" tIns="91425">
+            <a:noAutofit/>
+          </a:bodyPr>
+          <a:lstStyle/>
+          <a:p>
+            <a:pPr indent="0" lvl="0" marL="0" rtl="0" algn="l">
+              <a:spcBef>
+                <a:spcPts val="0"/>
+              </a:spcBef>
+              <a:spcAft>
+                <a:spcPts val="0"/>
+              </a:spcAft>
+              <a:buNone/>
+            </a:pPr>
+            <a:r>
+              <a:t/>
+            </a:r>
+            <a:endParaRPr/>
+          </a:p>
+        </p:txBody>
+      </p:sp>
+    </p:spTree>
+  </p:cSld>
+  <p:clrMapOvr>
+    <a:masterClrMapping/>
+  </p:clrMapOvr>
+</p:notes>
+</file>
+
+<file path=ppt/notesSlides/notesSlide12.xml><?xml version="1.0" encoding="utf-8"?>
+<p:notes xmlns:a="http://schemas.openxmlformats.org/drawingml/2006/main" xmlns:r="http://schemas.openxmlformats.org/officeDocument/2006/relationships" xmlns:mc="http://schemas.openxmlformats.org/markup-compatibility/2006" xmlns:mv="urn:schemas-microsoft-com:mac:vml" xmlns:p="http://schemas.openxmlformats.org/presentationml/2006/main" xmlns:c="http://schemas.openxmlformats.org/drawingml/2006/chart" xmlns:dgm="http://schemas.openxmlformats.org/drawingml/2006/diagram" xmlns:o="urn:schemas-microsoft-com:office:office" xmlns:v="urn:schemas-microsoft-com:vml" xmlns:pvml="urn:schemas-microsoft-com:office:powerpoint" xmlns:com="http://schemas.openxmlformats.org/drawingml/2006/compatibility" xmlns:p14="http://schemas.microsoft.com/office/powerpoint/2010/main" xmlns:p15="http://schemas.microsoft.com/office/powerpoint/2012/main" xmlns:ahyp="http://schemas.microsoft.com/office/drawing/2018/hyperlinkcolor" showMasterPhAnim="0" showMasterSp="0">
+  <p:cSld>
+    <p:spTree>
+      <p:nvGrpSpPr>
+        <p:cNvPr id="196" name="Shape 196"/>
+        <p:cNvGrpSpPr/>
+        <p:nvPr/>
+      </p:nvGrpSpPr>
+      <p:grpSpPr>
+        <a:xfrm>
+          <a:off x="0" y="0"/>
+          <a:ext cx="0" cy="0"/>
+          <a:chOff x="0" y="0"/>
+          <a:chExt cx="0" cy="0"/>
+        </a:xfrm>
+      </p:grpSpPr>
+      <p:sp>
+        <p:nvSpPr>
+          <p:cNvPr id="197" name="Google Shape;197;g2adb125f715_0_13:notes"/>
+          <p:cNvSpPr/>
+          <p:nvPr>
+            <p:ph idx="2" type="sldImg"/>
+          </p:nvPr>
+        </p:nvSpPr>
+        <p:spPr>
+          <a:xfrm>
+            <a:off x="381300" y="685800"/>
+            <a:ext cx="6096000" cy="3429000"/>
+          </a:xfrm>
+          <a:custGeom>
+            <a:rect b="b" l="l" r="r" t="t"/>
+            <a:pathLst>
+              <a:path extrusionOk="0" h="120000" w="120000">
+                <a:moveTo>
+                  <a:pt x="0" y="0"/>
+                </a:moveTo>
+                <a:lnTo>
+                  <a:pt x="120000" y="0"/>
+                </a:lnTo>
+                <a:lnTo>
+                  <a:pt x="120000" y="120000"/>
+                </a:lnTo>
+                <a:lnTo>
+                  <a:pt x="0" y="120000"/>
+                </a:lnTo>
+                <a:close/>
+              </a:path>
+            </a:pathLst>
+          </a:custGeom>
+        </p:spPr>
+      </p:sp>
+      <p:sp>
+        <p:nvSpPr>
+          <p:cNvPr id="198" name="Google Shape;198;g2adb125f715_0_13:notes"/>
+          <p:cNvSpPr txBox="1"/>
+          <p:nvPr>
+            <p:ph idx="1" type="body"/>
+          </p:nvPr>
+        </p:nvSpPr>
+        <p:spPr>
+          <a:xfrm>
+            <a:off x="685800" y="4343400"/>
+            <a:ext cx="5486400" cy="4114800"/>
+          </a:xfrm>
+          <a:prstGeom prst="rect">
+            <a:avLst/>
+          </a:prstGeom>
+        </p:spPr>
+        <p:txBody>
+          <a:bodyPr anchorCtr="0" anchor="t" bIns="91425" lIns="91425" spcFirstLastPara="1" rIns="91425" wrap="square" tIns="91425">
+            <a:noAutofit/>
+          </a:bodyPr>
+          <a:lstStyle/>
+          <a:p>
+            <a:pPr indent="0" lvl="0" marL="0" rtl="0" algn="l">
+              <a:spcBef>
+                <a:spcPts val="0"/>
+              </a:spcBef>
+              <a:spcAft>
+                <a:spcPts val="0"/>
+              </a:spcAft>
+              <a:buNone/>
+            </a:pPr>
+            <a:r>
+              <a:t/>
+            </a:r>
+            <a:endParaRPr/>
+          </a:p>
+        </p:txBody>
+      </p:sp>
+    </p:spTree>
+  </p:cSld>
+  <p:clrMapOvr>
+    <a:masterClrMapping/>
+  </p:clrMapOvr>
+</p:notes>
+</file>
+
+<file path=ppt/notesSlides/notesSlide2.xml><?xml version="1.0" encoding="utf-8"?>
+<p:notes xmlns:a="http://schemas.openxmlformats.org/drawingml/2006/main" xmlns:r="http://schemas.openxmlformats.org/officeDocument/2006/relationships" xmlns:mc="http://schemas.openxmlformats.org/markup-compatibility/2006" xmlns:mv="urn:schemas-microsoft-com:mac:vml" xmlns:p="http://schemas.openxmlformats.org/presentationml/2006/main" xmlns:c="http://schemas.openxmlformats.org/drawingml/2006/chart" xmlns:dgm="http://schemas.openxmlformats.org/drawingml/2006/diagram" xmlns:o="urn:schemas-microsoft-com:office:office" xmlns:v="urn:schemas-microsoft-com:vml" xmlns:pvml="urn:schemas-microsoft-com:office:powerpoint" xmlns:com="http://schemas.openxmlformats.org/drawingml/2006/compatibility" xmlns:p14="http://schemas.microsoft.com/office/powerpoint/2010/main" xmlns:p15="http://schemas.microsoft.com/office/powerpoint/2012/main" xmlns:ahyp="http://schemas.microsoft.com/office/drawing/2018/hyperlinkcolor" showMasterPhAnim="0" showMasterSp="0">
+  <p:cSld>
+    <p:spTree>
+      <p:nvGrpSpPr>
+        <p:cNvPr id="136" name="Shape 136"/>
+        <p:cNvGrpSpPr/>
+        <p:nvPr/>
+      </p:nvGrpSpPr>
+      <p:grpSpPr>
+        <a:xfrm>
+          <a:off x="0" y="0"/>
+          <a:ext cx="0" cy="0"/>
+          <a:chOff x="0" y="0"/>
+          <a:chExt cx="0" cy="0"/>
+        </a:xfrm>
+      </p:grpSpPr>
+      <p:sp>
+        <p:nvSpPr>
+          <p:cNvPr id="137" name="Google Shape;137;g2764f3aeb44_0_156:notes"/>
+          <p:cNvSpPr/>
+          <p:nvPr>
+            <p:ph idx="2" type="sldImg"/>
+          </p:nvPr>
+        </p:nvSpPr>
+        <p:spPr>
+          <a:xfrm>
+            <a:off x="381300" y="685800"/>
+            <a:ext cx="6096000" cy="3429000"/>
+          </a:xfrm>
+          <a:custGeom>
+            <a:rect b="b" l="l" r="r" t="t"/>
+            <a:pathLst>
+              <a:path extrusionOk="0" h="120000" w="120000">
+                <a:moveTo>
+                  <a:pt x="0" y="0"/>
+                </a:moveTo>
+                <a:lnTo>
+                  <a:pt x="120000" y="0"/>
+                </a:lnTo>
+                <a:lnTo>
+                  <a:pt x="120000" y="120000"/>
+                </a:lnTo>
+                <a:lnTo>
+                  <a:pt x="0" y="120000"/>
+                </a:lnTo>
+                <a:close/>
+              </a:path>
+            </a:pathLst>
+          </a:custGeom>
+        </p:spPr>
+      </p:sp>
+      <p:sp>
+        <p:nvSpPr>
+          <p:cNvPr id="138" name="Google Shape;138;g2764f3aeb44_0_156:notes"/>
           <p:cNvSpPr txBox="1"/>
           <p:nvPr>
             <p:ph idx="1" type="body"/>
@@ -927,7 +1227,7 @@
       </p:grpSpPr>
       <p:sp>
         <p:nvSpPr>
-          <p:cNvPr id="143" name="Google Shape;143;g2764f3aeb44_0_130:notes"/>
+          <p:cNvPr id="143" name="Google Shape;143;g2764f3aeb44_0_125:notes"/>
           <p:cNvSpPr/>
           <p:nvPr>
             <p:ph idx="2" type="sldImg"/>
@@ -962,7 +1262,7 @@
       </p:sp>
       <p:sp>
         <p:nvSpPr>
-          <p:cNvPr id="144" name="Google Shape;144;g2764f3aeb44_0_130:notes"/>
+          <p:cNvPr id="144" name="Google Shape;144;g2764f3aeb44_0_125:notes"/>
           <p:cNvSpPr txBox="1"/>
           <p:nvPr>
             <p:ph idx="1" type="body"/>
@@ -1026,7 +1326,7 @@
       </p:grpSpPr>
       <p:sp>
         <p:nvSpPr>
-          <p:cNvPr id="149" name="Google Shape;149;g2764f3aeb44_0_141:notes"/>
+          <p:cNvPr id="149" name="Google Shape;149;g2adb125f715_0_0:notes"/>
           <p:cNvSpPr/>
           <p:nvPr>
             <p:ph idx="2" type="sldImg"/>
@@ -1061,7 +1361,7 @@
       </p:sp>
       <p:sp>
         <p:nvSpPr>
-          <p:cNvPr id="150" name="Google Shape;150;g2764f3aeb44_0_141:notes"/>
+          <p:cNvPr id="150" name="Google Shape;150;g2adb125f715_0_0:notes"/>
           <p:cNvSpPr txBox="1"/>
           <p:nvPr>
             <p:ph idx="1" type="body"/>
@@ -1125,7 +1425,7 @@
       </p:grpSpPr>
       <p:sp>
         <p:nvSpPr>
-          <p:cNvPr id="155" name="Google Shape;155;g2764f3aeb44_0_136:notes"/>
+          <p:cNvPr id="155" name="Google Shape;155;g2764f3aeb44_0_130:notes"/>
           <p:cNvSpPr/>
           <p:nvPr>
             <p:ph idx="2" type="sldImg"/>
@@ -1160,7 +1460,7 @@
       </p:sp>
       <p:sp>
         <p:nvSpPr>
-          <p:cNvPr id="156" name="Google Shape;156;g2764f3aeb44_0_136:notes"/>
+          <p:cNvPr id="156" name="Google Shape;156;g2764f3aeb44_0_130:notes"/>
           <p:cNvSpPr txBox="1"/>
           <p:nvPr>
             <p:ph idx="1" type="body"/>
@@ -1191,8 +1491,7 @@
               <a:buNone/>
             </a:pPr>
             <a:r>
-              <a:rPr lang="en"/>
-              <a:t>If you are copying and pasting code, you need</a:t>
+              <a:t/>
             </a:r>
             <a:endParaRPr/>
           </a:p>
@@ -1225,7 +1524,7 @@
       </p:grpSpPr>
       <p:sp>
         <p:nvSpPr>
-          <p:cNvPr id="161" name="Google Shape;161;g2764f3aeb44_0_151:notes"/>
+          <p:cNvPr id="161" name="Google Shape;161;g2764f3aeb44_0_141:notes"/>
           <p:cNvSpPr/>
           <p:nvPr>
             <p:ph idx="2" type="sldImg"/>
@@ -1260,7 +1559,7 @@
       </p:sp>
       <p:sp>
         <p:nvSpPr>
-          <p:cNvPr id="162" name="Google Shape;162;g2764f3aeb44_0_151:notes"/>
+          <p:cNvPr id="162" name="Google Shape;162;g2764f3aeb44_0_141:notes"/>
           <p:cNvSpPr txBox="1"/>
           <p:nvPr>
             <p:ph idx="1" type="body"/>
@@ -1324,7 +1623,7 @@
       </p:grpSpPr>
       <p:sp>
         <p:nvSpPr>
-          <p:cNvPr id="167" name="Google Shape;167;g2764f3aeb44_0_146:notes"/>
+          <p:cNvPr id="167" name="Google Shape;167;g2764f3aeb44_0_136:notes"/>
           <p:cNvSpPr/>
           <p:nvPr>
             <p:ph idx="2" type="sldImg"/>
@@ -1359,7 +1658,7 @@
       </p:sp>
       <p:sp>
         <p:nvSpPr>
-          <p:cNvPr id="168" name="Google Shape;168;g2764f3aeb44_0_146:notes"/>
+          <p:cNvPr id="168" name="Google Shape;168;g2764f3aeb44_0_136:notes"/>
           <p:cNvSpPr txBox="1"/>
           <p:nvPr>
             <p:ph idx="1" type="body"/>
@@ -1390,7 +1689,8 @@
               <a:buNone/>
             </a:pPr>
             <a:r>
-              <a:t/>
+              <a:rPr lang="en"/>
+              <a:t>If you are copying and pasting code, you need</a:t>
             </a:r>
             <a:endParaRPr/>
           </a:p>
@@ -1423,7 +1723,7 @@
       </p:grpSpPr>
       <p:sp>
         <p:nvSpPr>
-          <p:cNvPr id="173" name="Google Shape;173;g2764f3aeb44_0_161:notes"/>
+          <p:cNvPr id="173" name="Google Shape;173;g2764f3aeb44_0_151:notes"/>
           <p:cNvSpPr/>
           <p:nvPr>
             <p:ph idx="2" type="sldImg"/>
@@ -1458,7 +1758,7 @@
       </p:sp>
       <p:sp>
         <p:nvSpPr>
-          <p:cNvPr id="174" name="Google Shape;174;g2764f3aeb44_0_161:notes"/>
+          <p:cNvPr id="174" name="Google Shape;174;g2764f3aeb44_0_151:notes"/>
           <p:cNvSpPr txBox="1"/>
           <p:nvPr>
             <p:ph idx="1" type="body"/>
@@ -1522,7 +1822,7 @@
       </p:grpSpPr>
       <p:sp>
         <p:nvSpPr>
-          <p:cNvPr id="179" name="Google Shape;179;g2764f3aeb44_0_156:notes"/>
+          <p:cNvPr id="179" name="Google Shape;179;g2764f3aeb44_0_146:notes"/>
           <p:cNvSpPr/>
           <p:nvPr>
             <p:ph idx="2" type="sldImg"/>
@@ -1557,7 +1857,7 @@
       </p:sp>
       <p:sp>
         <p:nvSpPr>
-          <p:cNvPr id="180" name="Google Shape;180;g2764f3aeb44_0_156:notes"/>
+          <p:cNvPr id="180" name="Google Shape;180;g2764f3aeb44_0_146:notes"/>
           <p:cNvSpPr txBox="1"/>
           <p:nvPr>
             <p:ph idx="1" type="body"/>
@@ -9890,6 +10190,508 @@
 </p:sld>
 </file>
 
+<file path=ppt/slides/slide10.xml><?xml version="1.0" encoding="utf-8"?>
+<p:sld xmlns:a="http://schemas.openxmlformats.org/drawingml/2006/main" xmlns:r="http://schemas.openxmlformats.org/officeDocument/2006/relationships" xmlns:mc="http://schemas.openxmlformats.org/markup-compatibility/2006" xmlns:mv="urn:schemas-microsoft-com:mac:vml" xmlns:p="http://schemas.openxmlformats.org/presentationml/2006/main" xmlns:c="http://schemas.openxmlformats.org/drawingml/2006/chart" xmlns:dgm="http://schemas.openxmlformats.org/drawingml/2006/diagram" xmlns:o="urn:schemas-microsoft-com:office:office" xmlns:v="urn:schemas-microsoft-com:vml" xmlns:pvml="urn:schemas-microsoft-com:office:powerpoint" xmlns:com="http://schemas.openxmlformats.org/drawingml/2006/compatibility" xmlns:p14="http://schemas.microsoft.com/office/powerpoint/2010/main" xmlns:p15="http://schemas.microsoft.com/office/powerpoint/2012/main" xmlns:ahyp="http://schemas.microsoft.com/office/drawing/2018/hyperlinkcolor">
+  <p:cSld>
+    <p:spTree>
+      <p:nvGrpSpPr>
+        <p:cNvPr id="187" name="Shape 187"/>
+        <p:cNvGrpSpPr/>
+        <p:nvPr/>
+      </p:nvGrpSpPr>
+      <p:grpSpPr>
+        <a:xfrm>
+          <a:off x="0" y="0"/>
+          <a:ext cx="0" cy="0"/>
+          <a:chOff x="0" y="0"/>
+          <a:chExt cx="0" cy="0"/>
+        </a:xfrm>
+      </p:grpSpPr>
+      <p:sp>
+        <p:nvSpPr>
+          <p:cNvPr id="188" name="Google Shape;188;p22"/>
+          <p:cNvSpPr txBox="1"/>
+          <p:nvPr>
+            <p:ph type="title"/>
+          </p:nvPr>
+        </p:nvSpPr>
+        <p:spPr>
+          <a:xfrm>
+            <a:off x="1297500" y="393750"/>
+            <a:ext cx="7038900" cy="914100"/>
+          </a:xfrm>
+          <a:prstGeom prst="rect">
+            <a:avLst/>
+          </a:prstGeom>
+        </p:spPr>
+        <p:txBody>
+          <a:bodyPr anchorCtr="0" anchor="t" bIns="91425" lIns="91425" spcFirstLastPara="1" rIns="91425" wrap="square" tIns="91425">
+            <a:normAutofit/>
+          </a:bodyPr>
+          <a:lstStyle/>
+          <a:p>
+            <a:pPr indent="0" lvl="0" marL="0" rtl="0" algn="l">
+              <a:spcBef>
+                <a:spcPts val="0"/>
+              </a:spcBef>
+              <a:spcAft>
+                <a:spcPts val="0"/>
+              </a:spcAft>
+              <a:buNone/>
+            </a:pPr>
+            <a:r>
+              <a:rPr lang="en"/>
+              <a:t>Any questions?</a:t>
+            </a:r>
+            <a:endParaRPr/>
+          </a:p>
+        </p:txBody>
+      </p:sp>
+      <p:sp>
+        <p:nvSpPr>
+          <p:cNvPr id="189" name="Google Shape;189;p22"/>
+          <p:cNvSpPr txBox="1"/>
+          <p:nvPr>
+            <p:ph idx="1" type="body"/>
+          </p:nvPr>
+        </p:nvSpPr>
+        <p:spPr>
+          <a:xfrm>
+            <a:off x="1297500" y="1567550"/>
+            <a:ext cx="7038900" cy="2911200"/>
+          </a:xfrm>
+          <a:prstGeom prst="rect">
+            <a:avLst/>
+          </a:prstGeom>
+        </p:spPr>
+        <p:txBody>
+          <a:bodyPr anchorCtr="0" anchor="t" bIns="91425" lIns="91425" spcFirstLastPara="1" rIns="91425" wrap="square" tIns="91425">
+            <a:normAutofit/>
+          </a:bodyPr>
+          <a:lstStyle/>
+          <a:p>
+            <a:pPr indent="-361950" lvl="0" marL="457200" rtl="0" algn="l">
+              <a:spcBef>
+                <a:spcPts val="0"/>
+              </a:spcBef>
+              <a:spcAft>
+                <a:spcPts val="0"/>
+              </a:spcAft>
+              <a:buSzPts val="2100"/>
+              <a:buChar char="●"/>
+            </a:pPr>
+            <a:r>
+              <a:rPr lang="en" sz="2100"/>
+              <a:t>Class</a:t>
+            </a:r>
+            <a:endParaRPr sz="2100"/>
+          </a:p>
+          <a:p>
+            <a:pPr indent="-361950" lvl="0" marL="457200" rtl="0" algn="l">
+              <a:spcBef>
+                <a:spcPts val="0"/>
+              </a:spcBef>
+              <a:spcAft>
+                <a:spcPts val="0"/>
+              </a:spcAft>
+              <a:buSzPts val="2100"/>
+              <a:buChar char="●"/>
+            </a:pPr>
+            <a:r>
+              <a:rPr lang="en" sz="2100"/>
+              <a:t>Syllabus</a:t>
+            </a:r>
+            <a:endParaRPr sz="2100"/>
+          </a:p>
+          <a:p>
+            <a:pPr indent="-361950" lvl="0" marL="457200" rtl="0" algn="l">
+              <a:spcBef>
+                <a:spcPts val="0"/>
+              </a:spcBef>
+              <a:spcAft>
+                <a:spcPts val="0"/>
+              </a:spcAft>
+              <a:buSzPts val="2100"/>
+              <a:buChar char="●"/>
+            </a:pPr>
+            <a:r>
+              <a:rPr lang="en" sz="2100"/>
+              <a:t>These slides</a:t>
+            </a:r>
+            <a:endParaRPr sz="2100"/>
+          </a:p>
+        </p:txBody>
+      </p:sp>
+    </p:spTree>
+  </p:cSld>
+  <p:clrMapOvr>
+    <a:masterClrMapping/>
+  </p:clrMapOvr>
+</p:sld>
+</file>
+
+<file path=ppt/slides/slide11.xml><?xml version="1.0" encoding="utf-8"?>
+<p:sld xmlns:a="http://schemas.openxmlformats.org/drawingml/2006/main" xmlns:r="http://schemas.openxmlformats.org/officeDocument/2006/relationships" xmlns:mc="http://schemas.openxmlformats.org/markup-compatibility/2006" xmlns:mv="urn:schemas-microsoft-com:mac:vml" xmlns:p="http://schemas.openxmlformats.org/presentationml/2006/main" xmlns:c="http://schemas.openxmlformats.org/drawingml/2006/chart" xmlns:dgm="http://schemas.openxmlformats.org/drawingml/2006/diagram" xmlns:o="urn:schemas-microsoft-com:office:office" xmlns:v="urn:schemas-microsoft-com:vml" xmlns:pvml="urn:schemas-microsoft-com:office:powerpoint" xmlns:com="http://schemas.openxmlformats.org/drawingml/2006/compatibility" xmlns:p14="http://schemas.microsoft.com/office/powerpoint/2010/main" xmlns:p15="http://schemas.microsoft.com/office/powerpoint/2012/main" xmlns:ahyp="http://schemas.microsoft.com/office/drawing/2018/hyperlinkcolor">
+  <p:cSld>
+    <p:spTree>
+      <p:nvGrpSpPr>
+        <p:cNvPr id="193" name="Shape 193"/>
+        <p:cNvGrpSpPr/>
+        <p:nvPr/>
+      </p:nvGrpSpPr>
+      <p:grpSpPr>
+        <a:xfrm>
+          <a:off x="0" y="0"/>
+          <a:ext cx="0" cy="0"/>
+          <a:chOff x="0" y="0"/>
+          <a:chExt cx="0" cy="0"/>
+        </a:xfrm>
+      </p:grpSpPr>
+      <p:sp>
+        <p:nvSpPr>
+          <p:cNvPr id="194" name="Google Shape;194;p23"/>
+          <p:cNvSpPr txBox="1"/>
+          <p:nvPr>
+            <p:ph type="title"/>
+          </p:nvPr>
+        </p:nvSpPr>
+        <p:spPr>
+          <a:xfrm>
+            <a:off x="1297500" y="393750"/>
+            <a:ext cx="7038900" cy="914100"/>
+          </a:xfrm>
+          <a:prstGeom prst="rect">
+            <a:avLst/>
+          </a:prstGeom>
+        </p:spPr>
+        <p:txBody>
+          <a:bodyPr anchorCtr="0" anchor="t" bIns="91425" lIns="91425" spcFirstLastPara="1" rIns="91425" wrap="square" tIns="91425">
+            <a:normAutofit/>
+          </a:bodyPr>
+          <a:lstStyle/>
+          <a:p>
+            <a:pPr indent="0" lvl="0" marL="0" rtl="0" algn="l">
+              <a:spcBef>
+                <a:spcPts val="0"/>
+              </a:spcBef>
+              <a:spcAft>
+                <a:spcPts val="0"/>
+              </a:spcAft>
+              <a:buNone/>
+            </a:pPr>
+            <a:r>
+              <a:rPr lang="en"/>
+              <a:t>Menti Poll!</a:t>
+            </a:r>
+            <a:endParaRPr/>
+          </a:p>
+        </p:txBody>
+      </p:sp>
+      <p:sp>
+        <p:nvSpPr>
+          <p:cNvPr id="195" name="Google Shape;195;p23"/>
+          <p:cNvSpPr txBox="1"/>
+          <p:nvPr>
+            <p:ph idx="1" type="body"/>
+          </p:nvPr>
+        </p:nvSpPr>
+        <p:spPr>
+          <a:xfrm>
+            <a:off x="1297500" y="1567550"/>
+            <a:ext cx="7038900" cy="2911200"/>
+          </a:xfrm>
+          <a:prstGeom prst="rect">
+            <a:avLst/>
+          </a:prstGeom>
+        </p:spPr>
+        <p:txBody>
+          <a:bodyPr anchorCtr="0" anchor="t" bIns="91425" lIns="91425" spcFirstLastPara="1" rIns="91425" wrap="square" tIns="91425">
+            <a:normAutofit/>
+          </a:bodyPr>
+          <a:lstStyle/>
+          <a:p>
+            <a:pPr indent="0" lvl="0" marL="0" rtl="0" algn="l">
+              <a:spcBef>
+                <a:spcPts val="0"/>
+              </a:spcBef>
+              <a:spcAft>
+                <a:spcPts val="0"/>
+              </a:spcAft>
+              <a:buNone/>
+            </a:pPr>
+            <a:r>
+              <a:rPr lang="en"/>
+              <a:t>Section 1: </a:t>
+            </a:r>
+            <a:r>
+              <a:rPr lang="en" u="sng">
+                <a:solidFill>
+                  <a:schemeClr val="hlink"/>
+                </a:solidFill>
+                <a:hlinkClick r:id="rId3"/>
+              </a:rPr>
+              <a:t>https://www.menti.com/al2gnr4qi3w5</a:t>
+            </a:r>
+            <a:br>
+              <a:rPr lang="en"/>
+            </a:br>
+            <a:r>
+              <a:rPr lang="en"/>
+              <a:t>Section 2: </a:t>
+            </a:r>
+            <a:r>
+              <a:rPr lang="en" u="sng">
+                <a:solidFill>
+                  <a:schemeClr val="hlink"/>
+                </a:solidFill>
+                <a:hlinkClick r:id="rId4"/>
+              </a:rPr>
+              <a:t>https://www.menti.com/alukbsymte4b</a:t>
+            </a:r>
+            <a:endParaRPr/>
+          </a:p>
+          <a:p>
+            <a:pPr indent="0" lvl="0" marL="0" rtl="0" algn="l">
+              <a:spcBef>
+                <a:spcPts val="1200"/>
+              </a:spcBef>
+              <a:spcAft>
+                <a:spcPts val="1200"/>
+              </a:spcAft>
+              <a:buNone/>
+            </a:pPr>
+            <a:r>
+              <a:rPr lang="en"/>
+              <a:t>(But it’s easiest to just scan in with a phone!)</a:t>
+            </a:r>
+            <a:endParaRPr/>
+          </a:p>
+        </p:txBody>
+      </p:sp>
+    </p:spTree>
+  </p:cSld>
+  <p:clrMapOvr>
+    <a:masterClrMapping/>
+  </p:clrMapOvr>
+</p:sld>
+</file>
+
+<file path=ppt/slides/slide12.xml><?xml version="1.0" encoding="utf-8"?>
+<p:sld xmlns:a="http://schemas.openxmlformats.org/drawingml/2006/main" xmlns:r="http://schemas.openxmlformats.org/officeDocument/2006/relationships" xmlns:mc="http://schemas.openxmlformats.org/markup-compatibility/2006" xmlns:mv="urn:schemas-microsoft-com:mac:vml" xmlns:p="http://schemas.openxmlformats.org/presentationml/2006/main" xmlns:c="http://schemas.openxmlformats.org/drawingml/2006/chart" xmlns:dgm="http://schemas.openxmlformats.org/drawingml/2006/diagram" xmlns:o="urn:schemas-microsoft-com:office:office" xmlns:v="urn:schemas-microsoft-com:vml" xmlns:pvml="urn:schemas-microsoft-com:office:powerpoint" xmlns:com="http://schemas.openxmlformats.org/drawingml/2006/compatibility" xmlns:p14="http://schemas.microsoft.com/office/powerpoint/2010/main" xmlns:p15="http://schemas.microsoft.com/office/powerpoint/2012/main" xmlns:ahyp="http://schemas.microsoft.com/office/drawing/2018/hyperlinkcolor">
+  <p:cSld>
+    <p:spTree>
+      <p:nvGrpSpPr>
+        <p:cNvPr id="199" name="Shape 199"/>
+        <p:cNvGrpSpPr/>
+        <p:nvPr/>
+      </p:nvGrpSpPr>
+      <p:grpSpPr>
+        <a:xfrm>
+          <a:off x="0" y="0"/>
+          <a:ext cx="0" cy="0"/>
+          <a:chOff x="0" y="0"/>
+          <a:chExt cx="0" cy="0"/>
+        </a:xfrm>
+      </p:grpSpPr>
+      <p:sp>
+        <p:nvSpPr>
+          <p:cNvPr id="200" name="Google Shape;200;p24"/>
+          <p:cNvSpPr txBox="1"/>
+          <p:nvPr>
+            <p:ph type="title"/>
+          </p:nvPr>
+        </p:nvSpPr>
+        <p:spPr>
+          <a:xfrm>
+            <a:off x="1297500" y="393750"/>
+            <a:ext cx="7038900" cy="914100"/>
+          </a:xfrm>
+          <a:prstGeom prst="rect">
+            <a:avLst/>
+          </a:prstGeom>
+        </p:spPr>
+        <p:txBody>
+          <a:bodyPr anchorCtr="0" anchor="t" bIns="91425" lIns="91425" spcFirstLastPara="1" rIns="91425" wrap="square" tIns="91425">
+            <a:normAutofit/>
+          </a:bodyPr>
+          <a:lstStyle/>
+          <a:p>
+            <a:pPr indent="0" lvl="0" marL="0" rtl="0" algn="l">
+              <a:spcBef>
+                <a:spcPts val="0"/>
+              </a:spcBef>
+              <a:spcAft>
+                <a:spcPts val="0"/>
+              </a:spcAft>
+              <a:buNone/>
+            </a:pPr>
+            <a:r>
+              <a:t/>
+            </a:r>
+            <a:endParaRPr/>
+          </a:p>
+        </p:txBody>
+      </p:sp>
+      <p:sp>
+        <p:nvSpPr>
+          <p:cNvPr id="201" name="Google Shape;201;p24"/>
+          <p:cNvSpPr txBox="1"/>
+          <p:nvPr>
+            <p:ph idx="1" type="body"/>
+          </p:nvPr>
+        </p:nvSpPr>
+        <p:spPr>
+          <a:xfrm>
+            <a:off x="1297500" y="1567550"/>
+            <a:ext cx="7038900" cy="2911200"/>
+          </a:xfrm>
+          <a:prstGeom prst="rect">
+            <a:avLst/>
+          </a:prstGeom>
+        </p:spPr>
+        <p:txBody>
+          <a:bodyPr anchorCtr="0" anchor="t" bIns="91425" lIns="91425" spcFirstLastPara="1" rIns="91425" wrap="square" tIns="91425">
+            <a:normAutofit/>
+          </a:bodyPr>
+          <a:lstStyle/>
+          <a:p>
+            <a:pPr indent="0" lvl="0" marL="0" rtl="0" algn="l">
+              <a:spcBef>
+                <a:spcPts val="0"/>
+              </a:spcBef>
+              <a:spcAft>
+                <a:spcPts val="1200"/>
+              </a:spcAft>
+              <a:buNone/>
+            </a:pPr>
+            <a:r>
+              <a:t/>
+            </a:r>
+            <a:endParaRPr/>
+          </a:p>
+        </p:txBody>
+      </p:sp>
+      <p:pic>
+        <p:nvPicPr>
+          <p:cNvPr id="202" name="Google Shape;202;p24" title="Full movie.mp4">
+            <a:hlinkClick r:id="rId3"/>
+          </p:cNvPr>
+          <p:cNvPicPr preferRelativeResize="0"/>
+          <p:nvPr/>
+        </p:nvPicPr>
+        <p:blipFill>
+          <a:blip r:embed="rId4">
+            <a:alphaModFix/>
+          </a:blip>
+          <a:stretch>
+            <a:fillRect/>
+          </a:stretch>
+        </p:blipFill>
+        <p:spPr>
+          <a:xfrm>
+            <a:off x="2286000" y="857250"/>
+            <a:ext cx="4572000" cy="3429000"/>
+          </a:xfrm>
+          <a:prstGeom prst="rect">
+            <a:avLst/>
+          </a:prstGeom>
+          <a:noFill/>
+          <a:ln>
+            <a:noFill/>
+          </a:ln>
+        </p:spPr>
+      </p:pic>
+    </p:spTree>
+  </p:cSld>
+  <p:clrMapOvr>
+    <a:masterClrMapping/>
+  </p:clrMapOvr>
+  <p:timing>
+    <p:tnLst>
+      <p:par>
+        <p:cTn dur="indefinite" nodeType="tmRoot" restart="never">
+          <p:childTnLst>
+            <p:seq concurrent="1" nextAc="seek">
+              <p:cTn dur="indefinite" id="2" nodeType="mainSeq">
+                <p:childTnLst>
+                  <p:par>
+                    <p:cTn fill="hold">
+                      <p:stCondLst>
+                        <p:cond delay="indefinite"/>
+                      </p:stCondLst>
+                      <p:childTnLst>
+                        <p:par>
+                          <p:cTn fill="hold">
+                            <p:stCondLst>
+                              <p:cond delay="0"/>
+                            </p:stCondLst>
+                            <p:childTnLst>
+                              <p:par>
+                                <p:cTn fill="hold" nodeType="clickEffect" presetClass="entr" presetID="10" presetSubtype="0">
+                                  <p:stCondLst>
+                                    <p:cond delay="0"/>
+                                  </p:stCondLst>
+                                  <p:childTnLst>
+                                    <p:set>
+                                      <p:cBhvr>
+                                        <p:cTn dur="1" fill="hold">
+                                          <p:stCondLst>
+                                            <p:cond delay="0"/>
+                                          </p:stCondLst>
+                                        </p:cTn>
+                                        <p:tgtEl>
+                                          <p:spTgt spid="202"/>
+                                        </p:tgtEl>
+                                        <p:attrNameLst>
+                                          <p:attrName>style.visibility</p:attrName>
+                                        </p:attrNameLst>
+                                      </p:cBhvr>
+                                      <p:to>
+                                        <p:strVal val="visible"/>
+                                      </p:to>
+                                    </p:set>
+                                    <p:animEffect filter="fade" transition="in">
+                                      <p:cBhvr>
+                                        <p:cTn dur="1000"/>
+                                        <p:tgtEl>
+                                          <p:spTgt spid="202"/>
+                                        </p:tgtEl>
+                                      </p:cBhvr>
+                                    </p:animEffect>
+                                  </p:childTnLst>
+                                </p:cTn>
+                              </p:par>
+                            </p:childTnLst>
+                          </p:cTn>
+                        </p:par>
+                      </p:childTnLst>
+                    </p:cTn>
+                  </p:par>
+                </p:childTnLst>
+              </p:cTn>
+              <p:prevCondLst>
+                <p:cond evt="onPrev">
+                  <p:tgtEl>
+                    <p:sldTgt/>
+                  </p:tgtEl>
+                </p:cond>
+              </p:prevCondLst>
+              <p:nextCondLst>
+                <p:cond evt="onNext">
+                  <p:tgtEl>
+                    <p:sldTgt/>
+                  </p:tgtEl>
+                </p:cond>
+              </p:nextCondLst>
+            </p:seq>
+          </p:childTnLst>
+        </p:cTn>
+      </p:par>
+    </p:tnLst>
+  </p:timing>
+</p:sld>
+</file>
+
 <file path=ppt/slides/slide2.xml><?xml version="1.0" encoding="utf-8"?>
 <p:sld xmlns:a="http://schemas.openxmlformats.org/drawingml/2006/main" xmlns:r="http://schemas.openxmlformats.org/officeDocument/2006/relationships" xmlns:mc="http://schemas.openxmlformats.org/markup-compatibility/2006" xmlns:mv="urn:schemas-microsoft-com:mac:vml" xmlns:p="http://schemas.openxmlformats.org/presentationml/2006/main" xmlns:c="http://schemas.openxmlformats.org/drawingml/2006/chart" xmlns:dgm="http://schemas.openxmlformats.org/drawingml/2006/diagram" xmlns:o="urn:schemas-microsoft-com:office:office" xmlns:v="urn:schemas-microsoft-com:vml" xmlns:pvml="urn:schemas-microsoft-com:office:powerpoint" xmlns:com="http://schemas.openxmlformats.org/drawingml/2006/compatibility" xmlns:p14="http://schemas.microsoft.com/office/powerpoint/2010/main" xmlns:p15="http://schemas.microsoft.com/office/powerpoint/2012/main" xmlns:ahyp="http://schemas.microsoft.com/office/drawing/2018/hyperlinkcolor">
   <p:cSld>
@@ -9941,7 +10743,7 @@
             </a:pPr>
             <a:r>
               <a:rPr lang="en"/>
-              <a:t>Class Website</a:t>
+              <a:t>Introduce yourself</a:t>
             </a:r>
             <a:endParaRPr/>
           </a:p>
@@ -9970,20 +10772,72 @@
           </a:bodyPr>
           <a:lstStyle/>
           <a:p>
-            <a:pPr indent="0" lvl="0" marL="0" rtl="0" algn="l">
-              <a:spcBef>
-                <a:spcPts val="0"/>
-              </a:spcBef>
-              <a:spcAft>
-                <a:spcPts val="1200"/>
-              </a:spcAft>
-              <a:buNone/>
+            <a:pPr indent="-361950" lvl="0" marL="457200" rtl="0" algn="l">
+              <a:spcBef>
+                <a:spcPts val="0"/>
+              </a:spcBef>
+              <a:spcAft>
+                <a:spcPts val="0"/>
+              </a:spcAft>
+              <a:buSzPts val="2100"/>
+              <a:buChar char="●"/>
             </a:pPr>
             <a:r>
-              <a:rPr lang="en" sz="2200"/>
-              <a:t>https://cs.rhodes.edu/142</a:t>
+              <a:rPr lang="en" sz="2100"/>
+              <a:t>Name</a:t>
             </a:r>
-            <a:endParaRPr sz="2200"/>
+            <a:endParaRPr sz="2100"/>
+          </a:p>
+          <a:p>
+            <a:pPr indent="-361950" lvl="0" marL="457200" rtl="0" algn="l">
+              <a:spcBef>
+                <a:spcPts val="0"/>
+              </a:spcBef>
+              <a:spcAft>
+                <a:spcPts val="0"/>
+              </a:spcAft>
+              <a:buSzPts val="2100"/>
+              <a:buChar char="●"/>
+            </a:pPr>
+            <a:r>
+              <a:rPr lang="en" sz="2100"/>
+              <a:t>Class year</a:t>
+            </a:r>
+            <a:endParaRPr sz="2100"/>
+          </a:p>
+          <a:p>
+            <a:pPr indent="-361950" lvl="0" marL="457200" rtl="0" algn="l">
+              <a:spcBef>
+                <a:spcPts val="0"/>
+              </a:spcBef>
+              <a:spcAft>
+                <a:spcPts val="0"/>
+              </a:spcAft>
+              <a:buSzPts val="2100"/>
+              <a:buChar char="●"/>
+            </a:pPr>
+            <a:r>
+              <a:rPr lang="en" sz="2100"/>
+              <a:t>Where you’re from</a:t>
+            </a:r>
+            <a:endParaRPr sz="2100"/>
+          </a:p>
+          <a:p>
+            <a:pPr indent="-361950" lvl="0" marL="457200" rtl="0" algn="l">
+              <a:spcBef>
+                <a:spcPts val="0"/>
+              </a:spcBef>
+              <a:spcAft>
+                <a:spcPts val="0"/>
+              </a:spcAft>
+              <a:buSzPts val="2100"/>
+              <a:buChar char="●"/>
+            </a:pPr>
+            <a:r>
+              <a:rPr lang="en" sz="2100"/>
+              <a:t>Something fun or something you want us to know about you!</a:t>
+            </a:r>
+            <a:endParaRPr sz="2100"/>
           </a:p>
         </p:txBody>
       </p:sp>
@@ -10046,7 +10900,7 @@
             </a:pPr>
             <a:r>
               <a:rPr lang="en"/>
-              <a:t>What to expect</a:t>
+              <a:t>Class Website</a:t>
             </a:r>
             <a:endParaRPr/>
           </a:p>
@@ -10071,251 +10925,24 @@
         </p:spPr>
         <p:txBody>
           <a:bodyPr anchorCtr="0" anchor="t" bIns="91425" lIns="91425" spcFirstLastPara="1" rIns="91425" wrap="square" tIns="91425">
-            <a:noAutofit/>
+            <a:normAutofit/>
           </a:bodyPr>
           <a:lstStyle/>
           <a:p>
             <a:pPr indent="0" lvl="0" marL="0" rtl="0" algn="l">
-              <a:lnSpc>
-                <a:spcPct val="95000"/>
-              </a:lnSpc>
-              <a:spcBef>
-                <a:spcPts val="0"/>
-              </a:spcBef>
-              <a:spcAft>
-                <a:spcPts val="0"/>
-              </a:spcAft>
-              <a:buSzPts val="605"/>
+              <a:spcBef>
+                <a:spcPts val="0"/>
+              </a:spcBef>
+              <a:spcAft>
+                <a:spcPts val="1200"/>
+              </a:spcAft>
               <a:buNone/>
             </a:pPr>
             <a:r>
-              <a:rPr lang="en" sz="1500"/>
-              <a:t>More complex than 141 - new concepts and ideas, faster pace, more independent</a:t>
+              <a:rPr lang="en" sz="2200"/>
+              <a:t>https://cs.rhodes.edu/142</a:t>
             </a:r>
-            <a:endParaRPr sz="1500"/>
-          </a:p>
-          <a:p>
-            <a:pPr indent="-323850" lvl="0" marL="457200" rtl="0" algn="l">
-              <a:lnSpc>
-                <a:spcPct val="95000"/>
-              </a:lnSpc>
-              <a:spcBef>
-                <a:spcPts val="1200"/>
-              </a:spcBef>
-              <a:spcAft>
-                <a:spcPts val="0"/>
-              </a:spcAft>
-              <a:buSzPts val="1500"/>
-              <a:buChar char="●"/>
-            </a:pPr>
-            <a:r>
-              <a:rPr lang="en" sz="1500"/>
-              <a:t>Topics</a:t>
-            </a:r>
-            <a:endParaRPr sz="1500"/>
-          </a:p>
-          <a:p>
-            <a:pPr indent="-323850" lvl="1" marL="914400" rtl="0" algn="l">
-              <a:lnSpc>
-                <a:spcPct val="95000"/>
-              </a:lnSpc>
-              <a:spcBef>
-                <a:spcPts val="0"/>
-              </a:spcBef>
-              <a:spcAft>
-                <a:spcPts val="0"/>
-              </a:spcAft>
-              <a:buSzPts val="1500"/>
-              <a:buChar char="○"/>
-            </a:pPr>
-            <a:r>
-              <a:rPr lang="en" sz="1500"/>
-              <a:t>Python to Java introduction</a:t>
-            </a:r>
-            <a:endParaRPr sz="1500"/>
-          </a:p>
-          <a:p>
-            <a:pPr indent="-323850" lvl="1" marL="914400" rtl="0" algn="l">
-              <a:lnSpc>
-                <a:spcPct val="95000"/>
-              </a:lnSpc>
-              <a:spcBef>
-                <a:spcPts val="0"/>
-              </a:spcBef>
-              <a:spcAft>
-                <a:spcPts val="0"/>
-              </a:spcAft>
-              <a:buSzPts val="1500"/>
-              <a:buChar char="○"/>
-            </a:pPr>
-            <a:r>
-              <a:rPr lang="en" sz="1500"/>
-              <a:t>New Java concepts</a:t>
-            </a:r>
-            <a:endParaRPr sz="1500"/>
-          </a:p>
-          <a:p>
-            <a:pPr indent="-323850" lvl="1" marL="914400" rtl="0" algn="l">
-              <a:lnSpc>
-                <a:spcPct val="95000"/>
-              </a:lnSpc>
-              <a:spcBef>
-                <a:spcPts val="0"/>
-              </a:spcBef>
-              <a:spcAft>
-                <a:spcPts val="0"/>
-              </a:spcAft>
-              <a:buSzPts val="1500"/>
-              <a:buChar char="○"/>
-            </a:pPr>
-            <a:r>
-              <a:rPr lang="en" sz="1500"/>
-              <a:t>Object-oriented programming</a:t>
-            </a:r>
-            <a:endParaRPr sz="1500"/>
-          </a:p>
-          <a:p>
-            <a:pPr indent="-323850" lvl="1" marL="914400" rtl="0" algn="l">
-              <a:lnSpc>
-                <a:spcPct val="95000"/>
-              </a:lnSpc>
-              <a:spcBef>
-                <a:spcPts val="0"/>
-              </a:spcBef>
-              <a:spcAft>
-                <a:spcPts val="0"/>
-              </a:spcAft>
-              <a:buSzPts val="1500"/>
-              <a:buChar char="○"/>
-            </a:pPr>
-            <a:r>
-              <a:rPr lang="en" sz="1500"/>
-              <a:t>Recursion</a:t>
-            </a:r>
-            <a:endParaRPr sz="1500"/>
-          </a:p>
-          <a:p>
-            <a:pPr indent="-323850" lvl="1" marL="914400" rtl="0" algn="l">
-              <a:lnSpc>
-                <a:spcPct val="95000"/>
-              </a:lnSpc>
-              <a:spcBef>
-                <a:spcPts val="0"/>
-              </a:spcBef>
-              <a:spcAft>
-                <a:spcPts val="0"/>
-              </a:spcAft>
-              <a:buSzPts val="1500"/>
-              <a:buChar char="○"/>
-            </a:pPr>
-            <a:r>
-              <a:rPr lang="en" sz="1500"/>
-              <a:t>And more!</a:t>
-            </a:r>
-            <a:br>
-              <a:rPr lang="en" sz="1500"/>
-            </a:br>
-            <a:endParaRPr sz="1500"/>
-          </a:p>
-          <a:p>
-            <a:pPr indent="-323850" lvl="0" marL="457200" rtl="0" algn="l">
-              <a:lnSpc>
-                <a:spcPct val="95000"/>
-              </a:lnSpc>
-              <a:spcBef>
-                <a:spcPts val="0"/>
-              </a:spcBef>
-              <a:spcAft>
-                <a:spcPts val="0"/>
-              </a:spcAft>
-              <a:buSzPts val="1500"/>
-              <a:buChar char="●"/>
-            </a:pPr>
-            <a:r>
-              <a:rPr lang="en" sz="1500"/>
-              <a:t>Is this the right class for me? Yes, if:</a:t>
-            </a:r>
-            <a:endParaRPr sz="1500"/>
-          </a:p>
-          <a:p>
-            <a:pPr indent="-323850" lvl="1" marL="914400" rtl="0" algn="l">
-              <a:lnSpc>
-                <a:spcPct val="95000"/>
-              </a:lnSpc>
-              <a:spcBef>
-                <a:spcPts val="0"/>
-              </a:spcBef>
-              <a:spcAft>
-                <a:spcPts val="0"/>
-              </a:spcAft>
-              <a:buSzPts val="1500"/>
-              <a:buChar char="○"/>
-            </a:pPr>
-            <a:r>
-              <a:rPr lang="en" sz="1500"/>
-              <a:t>You took COMP 141</a:t>
-            </a:r>
-            <a:endParaRPr sz="1500"/>
-          </a:p>
-          <a:p>
-            <a:pPr indent="-323850" lvl="1" marL="914400" rtl="0" algn="l">
-              <a:lnSpc>
-                <a:spcPct val="95000"/>
-              </a:lnSpc>
-              <a:spcBef>
-                <a:spcPts val="0"/>
-              </a:spcBef>
-              <a:spcAft>
-                <a:spcPts val="0"/>
-              </a:spcAft>
-              <a:buSzPts val="1500"/>
-              <a:buChar char="○"/>
-            </a:pPr>
-            <a:r>
-              <a:rPr lang="en" sz="1500"/>
-              <a:t>Or:</a:t>
-            </a:r>
-            <a:endParaRPr sz="1500"/>
-          </a:p>
-          <a:p>
-            <a:pPr indent="-323850" lvl="2" marL="1371600" rtl="0" algn="l">
-              <a:lnSpc>
-                <a:spcPct val="95000"/>
-              </a:lnSpc>
-              <a:spcBef>
-                <a:spcPts val="0"/>
-              </a:spcBef>
-              <a:spcAft>
-                <a:spcPts val="0"/>
-              </a:spcAft>
-              <a:buSzPts val="1500"/>
-              <a:buChar char="■"/>
-            </a:pPr>
-            <a:r>
-              <a:rPr lang="en" sz="1500"/>
-              <a:t>Are experienced in programming and</a:t>
-            </a:r>
-            <a:endParaRPr sz="1500"/>
-          </a:p>
-          <a:p>
-            <a:pPr indent="-323850" lvl="2" marL="1371600" rtl="0" algn="l">
-              <a:lnSpc>
-                <a:spcPct val="95000"/>
-              </a:lnSpc>
-              <a:spcBef>
-                <a:spcPts val="0"/>
-              </a:spcBef>
-              <a:spcAft>
-                <a:spcPts val="0"/>
-              </a:spcAft>
-              <a:buSzPts val="1500"/>
-              <a:buChar char="■"/>
-            </a:pPr>
-            <a:r>
-              <a:rPr lang="en" sz="1500"/>
-              <a:t>Are proficient with simple algorithms</a:t>
-            </a:r>
-            <a:endParaRPr sz="1500"/>
+            <a:endParaRPr sz="2200"/>
           </a:p>
         </p:txBody>
       </p:sp>
@@ -10378,7 +11005,7 @@
             </a:pPr>
             <a:r>
               <a:rPr lang="en"/>
-              <a:t>Grading</a:t>
+              <a:t>Administrivia</a:t>
             </a:r>
             <a:endParaRPr/>
           </a:p>
@@ -10407,68 +11034,76 @@
           </a:bodyPr>
           <a:lstStyle/>
           <a:p>
-            <a:pPr indent="0" lvl="0" marL="0" rtl="0" algn="l">
-              <a:spcBef>
-                <a:spcPts val="0"/>
-              </a:spcBef>
-              <a:spcAft>
-                <a:spcPts val="0"/>
-              </a:spcAft>
-              <a:buNone/>
+            <a:pPr indent="-323850" lvl="0" marL="457200" rtl="0" algn="l">
+              <a:spcBef>
+                <a:spcPts val="0"/>
+              </a:spcBef>
+              <a:spcAft>
+                <a:spcPts val="0"/>
+              </a:spcAft>
+              <a:buSzPts val="1500"/>
+              <a:buChar char="●"/>
             </a:pPr>
             <a:r>
-              <a:rPr lang="en" sz="3000"/>
-              <a:t>Programming Projects	40%</a:t>
+              <a:rPr lang="en" sz="1500"/>
+              <a:t>CS Department Slack: </a:t>
             </a:r>
-            <a:endParaRPr sz="3000"/>
+            <a:endParaRPr sz="1500"/>
           </a:p>
           <a:p>
-            <a:pPr indent="0" lvl="0" marL="0" rtl="0" algn="l">
-              <a:spcBef>
-                <a:spcPts val="1200"/>
-              </a:spcBef>
-              <a:spcAft>
-                <a:spcPts val="0"/>
-              </a:spcAft>
-              <a:buNone/>
+            <a:pPr indent="-311150" lvl="1" marL="914400" rtl="0" algn="l">
+              <a:spcBef>
+                <a:spcPts val="0"/>
+              </a:spcBef>
+              <a:spcAft>
+                <a:spcPts val="0"/>
+              </a:spcAft>
+              <a:buSzPts val="1300"/>
+              <a:buChar char="○"/>
             </a:pPr>
             <a:r>
-              <a:rPr lang="en" sz="3000"/>
-              <a:t>Labs and Homework 		20%</a:t>
+              <a:rPr lang="en" sz="1300"/>
+              <a:t>Please join!  </a:t>
             </a:r>
-            <a:endParaRPr sz="3000"/>
+            <a:r>
+              <a:rPr b="1" lang="en" sz="1300"/>
+              <a:t>http://rhodes-cs.slack.com</a:t>
+            </a:r>
+            <a:endParaRPr b="1" sz="1300"/>
           </a:p>
           <a:p>
-            <a:pPr indent="0" lvl="0" marL="0" rtl="0" algn="l">
-              <a:spcBef>
-                <a:spcPts val="1200"/>
-              </a:spcBef>
-              <a:spcAft>
-                <a:spcPts val="0"/>
-              </a:spcAft>
-              <a:buNone/>
+            <a:pPr indent="-323850" lvl="0" marL="457200" rtl="0" algn="l">
+              <a:spcBef>
+                <a:spcPts val="0"/>
+              </a:spcBef>
+              <a:spcAft>
+                <a:spcPts val="0"/>
+              </a:spcAft>
+              <a:buSzPts val="1500"/>
+              <a:buChar char="●"/>
             </a:pPr>
             <a:r>
-              <a:rPr lang="en" sz="3000"/>
-              <a:t>Midterms 1 and 2			12.5% each</a:t>
+              <a:rPr lang="en" sz="1500"/>
+              <a:t>Course Structure for CS:</a:t>
             </a:r>
-            <a:endParaRPr sz="3000"/>
+            <a:endParaRPr sz="1500"/>
           </a:p>
           <a:p>
-            <a:pPr indent="0" lvl="0" marL="0" rtl="0" algn="l">
-              <a:spcBef>
-                <a:spcPts val="1200"/>
-              </a:spcBef>
-              <a:spcAft>
-                <a:spcPts val="1200"/>
-              </a:spcAft>
-              <a:buNone/>
+            <a:pPr indent="-311150" lvl="1" marL="914400" rtl="0" algn="l">
+              <a:spcBef>
+                <a:spcPts val="0"/>
+              </a:spcBef>
+              <a:spcAft>
+                <a:spcPts val="0"/>
+              </a:spcAft>
+              <a:buSzPts val="1300"/>
+              <a:buChar char="○"/>
             </a:pPr>
             <a:r>
-              <a:rPr lang="en" sz="3000"/>
-              <a:t>Final								15%</a:t>
+              <a:rPr lang="en" sz="1300"/>
+              <a:t>COMP 172?</a:t>
             </a:r>
-            <a:endParaRPr sz="3000"/>
+            <a:endParaRPr sz="1300"/>
           </a:p>
         </p:txBody>
       </p:sp>
@@ -10531,7 +11166,7 @@
             </a:pPr>
             <a:r>
               <a:rPr lang="en"/>
-              <a:t>Programming Expectations</a:t>
+              <a:t>What to expect</a:t>
             </a:r>
             <a:endParaRPr/>
           </a:p>
@@ -10561,53 +11196,246 @@
           <a:lstStyle/>
           <a:p>
             <a:pPr indent="0" lvl="0" marL="0" rtl="0" algn="l">
-              <a:spcBef>
-                <a:spcPts val="0"/>
-              </a:spcBef>
-              <a:spcAft>
-                <a:spcPts val="0"/>
-              </a:spcAft>
+              <a:lnSpc>
+                <a:spcPct val="95000"/>
+              </a:lnSpc>
+              <a:spcBef>
+                <a:spcPts val="0"/>
+              </a:spcBef>
+              <a:spcAft>
+                <a:spcPts val="0"/>
+              </a:spcAft>
+              <a:buSzPts val="605"/>
               <a:buNone/>
             </a:pPr>
             <a:r>
-              <a:rPr lang="en" sz="2100"/>
-              <a:t>Out-of-class assignments must be done independently, but you can ask for help.  </a:t>
+              <a:rPr lang="en" sz="1500"/>
+              <a:t>More complex than 141 - new concepts and ideas, faster pace, more independent</a:t>
             </a:r>
-            <a:endParaRPr sz="2100"/>
+            <a:endParaRPr sz="1500"/>
           </a:p>
           <a:p>
-            <a:pPr indent="-381000" lvl="0" marL="457200" rtl="0" algn="l">
+            <a:pPr indent="-323850" lvl="0" marL="457200" rtl="0" algn="l">
+              <a:lnSpc>
+                <a:spcPct val="95000"/>
+              </a:lnSpc>
               <a:spcBef>
                 <a:spcPts val="1200"/>
               </a:spcBef>
               <a:spcAft>
                 <a:spcPts val="0"/>
               </a:spcAft>
-              <a:buSzPts val="2400"/>
+              <a:buSzPts val="1500"/>
               <a:buChar char="●"/>
             </a:pPr>
             <a:r>
-              <a:rPr lang="en" sz="2400"/>
-              <a:t>Rule 1: Do not look at anyone else's code for the same project or a similar project.</a:t>
+              <a:rPr lang="en" sz="1500"/>
+              <a:t>Topics</a:t>
             </a:r>
-            <a:endParaRPr sz="2400"/>
+            <a:endParaRPr sz="1500"/>
           </a:p>
           <a:p>
-            <a:pPr indent="-381000" lvl="0" marL="457200" rtl="0" algn="l">
-              <a:spcBef>
-                <a:spcPts val="0"/>
-              </a:spcBef>
-              <a:spcAft>
-                <a:spcPts val="0"/>
-              </a:spcAft>
-              <a:buSzPts val="2400"/>
+            <a:pPr indent="-323850" lvl="1" marL="914400" rtl="0" algn="l">
+              <a:lnSpc>
+                <a:spcPct val="95000"/>
+              </a:lnSpc>
+              <a:spcBef>
+                <a:spcPts val="0"/>
+              </a:spcBef>
+              <a:spcAft>
+                <a:spcPts val="0"/>
+              </a:spcAft>
+              <a:buSzPts val="1500"/>
+              <a:buChar char="○"/>
+            </a:pPr>
+            <a:r>
+              <a:rPr lang="en" sz="1500"/>
+              <a:t>Python to Java introduction</a:t>
+            </a:r>
+            <a:endParaRPr sz="1500"/>
+          </a:p>
+          <a:p>
+            <a:pPr indent="-323850" lvl="1" marL="914400" rtl="0" algn="l">
+              <a:lnSpc>
+                <a:spcPct val="95000"/>
+              </a:lnSpc>
+              <a:spcBef>
+                <a:spcPts val="0"/>
+              </a:spcBef>
+              <a:spcAft>
+                <a:spcPts val="0"/>
+              </a:spcAft>
+              <a:buSzPts val="1500"/>
+              <a:buChar char="○"/>
+            </a:pPr>
+            <a:r>
+              <a:rPr lang="en" sz="1500"/>
+              <a:t>New Java concepts</a:t>
+            </a:r>
+            <a:endParaRPr sz="1500"/>
+          </a:p>
+          <a:p>
+            <a:pPr indent="-323850" lvl="1" marL="914400" rtl="0" algn="l">
+              <a:lnSpc>
+                <a:spcPct val="95000"/>
+              </a:lnSpc>
+              <a:spcBef>
+                <a:spcPts val="0"/>
+              </a:spcBef>
+              <a:spcAft>
+                <a:spcPts val="0"/>
+              </a:spcAft>
+              <a:buSzPts val="1500"/>
+              <a:buChar char="○"/>
+            </a:pPr>
+            <a:r>
+              <a:rPr lang="en" sz="1500"/>
+              <a:t>Object-oriented programming</a:t>
+            </a:r>
+            <a:endParaRPr sz="1500"/>
+          </a:p>
+          <a:p>
+            <a:pPr indent="-323850" lvl="1" marL="914400" rtl="0" algn="l">
+              <a:lnSpc>
+                <a:spcPct val="95000"/>
+              </a:lnSpc>
+              <a:spcBef>
+                <a:spcPts val="0"/>
+              </a:spcBef>
+              <a:spcAft>
+                <a:spcPts val="0"/>
+              </a:spcAft>
+              <a:buSzPts val="1500"/>
+              <a:buChar char="○"/>
+            </a:pPr>
+            <a:r>
+              <a:rPr lang="en" sz="1500"/>
+              <a:t>Recursion</a:t>
+            </a:r>
+            <a:endParaRPr sz="1500"/>
+          </a:p>
+          <a:p>
+            <a:pPr indent="-323850" lvl="1" marL="914400" rtl="0" algn="l">
+              <a:lnSpc>
+                <a:spcPct val="95000"/>
+              </a:lnSpc>
+              <a:spcBef>
+                <a:spcPts val="0"/>
+              </a:spcBef>
+              <a:spcAft>
+                <a:spcPts val="0"/>
+              </a:spcAft>
+              <a:buSzPts val="1500"/>
+              <a:buChar char="○"/>
+            </a:pPr>
+            <a:r>
+              <a:rPr lang="en" sz="1500"/>
+              <a:t>And more!</a:t>
+            </a:r>
+            <a:br>
+              <a:rPr lang="en" sz="1500"/>
+            </a:br>
+            <a:endParaRPr sz="1500"/>
+          </a:p>
+          <a:p>
+            <a:pPr indent="-323850" lvl="0" marL="457200" rtl="0" algn="l">
+              <a:lnSpc>
+                <a:spcPct val="95000"/>
+              </a:lnSpc>
+              <a:spcBef>
+                <a:spcPts val="0"/>
+              </a:spcBef>
+              <a:spcAft>
+                <a:spcPts val="0"/>
+              </a:spcAft>
+              <a:buSzPts val="1500"/>
               <a:buChar char="●"/>
             </a:pPr>
             <a:r>
-              <a:rPr lang="en" sz="2400"/>
-              <a:t>Rule 2: Do not write code or pseudocode with anyone else.</a:t>
+              <a:rPr lang="en" sz="1500"/>
+              <a:t>Is this the right class for me? Yes, if:</a:t>
             </a:r>
-            <a:endParaRPr sz="2400"/>
+            <a:endParaRPr sz="1500"/>
+          </a:p>
+          <a:p>
+            <a:pPr indent="-323850" lvl="1" marL="914400" rtl="0" algn="l">
+              <a:lnSpc>
+                <a:spcPct val="95000"/>
+              </a:lnSpc>
+              <a:spcBef>
+                <a:spcPts val="0"/>
+              </a:spcBef>
+              <a:spcAft>
+                <a:spcPts val="0"/>
+              </a:spcAft>
+              <a:buSzPts val="1500"/>
+              <a:buChar char="○"/>
+            </a:pPr>
+            <a:r>
+              <a:rPr lang="en" sz="1500"/>
+              <a:t>You took COMP 141</a:t>
+            </a:r>
+            <a:endParaRPr sz="1500"/>
+          </a:p>
+          <a:p>
+            <a:pPr indent="-323850" lvl="1" marL="914400" rtl="0" algn="l">
+              <a:lnSpc>
+                <a:spcPct val="95000"/>
+              </a:lnSpc>
+              <a:spcBef>
+                <a:spcPts val="0"/>
+              </a:spcBef>
+              <a:spcAft>
+                <a:spcPts val="0"/>
+              </a:spcAft>
+              <a:buSzPts val="1500"/>
+              <a:buChar char="○"/>
+            </a:pPr>
+            <a:r>
+              <a:rPr lang="en" sz="1500"/>
+              <a:t>Or:</a:t>
+            </a:r>
+            <a:endParaRPr sz="1500"/>
+          </a:p>
+          <a:p>
+            <a:pPr indent="-323850" lvl="2" marL="1371600" rtl="0" algn="l">
+              <a:lnSpc>
+                <a:spcPct val="95000"/>
+              </a:lnSpc>
+              <a:spcBef>
+                <a:spcPts val="0"/>
+              </a:spcBef>
+              <a:spcAft>
+                <a:spcPts val="0"/>
+              </a:spcAft>
+              <a:buSzPts val="1500"/>
+              <a:buChar char="■"/>
+            </a:pPr>
+            <a:r>
+              <a:rPr lang="en" sz="1500"/>
+              <a:t>Are experienced in programming and</a:t>
+            </a:r>
+            <a:endParaRPr sz="1500"/>
+          </a:p>
+          <a:p>
+            <a:pPr indent="-323850" lvl="2" marL="1371600" rtl="0" algn="l">
+              <a:lnSpc>
+                <a:spcPct val="95000"/>
+              </a:lnSpc>
+              <a:spcBef>
+                <a:spcPts val="0"/>
+              </a:spcBef>
+              <a:spcAft>
+                <a:spcPts val="0"/>
+              </a:spcAft>
+              <a:buSzPts val="1500"/>
+              <a:buChar char="■"/>
+            </a:pPr>
+            <a:r>
+              <a:rPr lang="en" sz="1500"/>
+              <a:t>Are proficient with simple algorithms</a:t>
+            </a:r>
+            <a:endParaRPr sz="1500"/>
           </a:p>
         </p:txBody>
       </p:sp>
@@ -10670,7 +11498,7 @@
             </a:pPr>
             <a:r>
               <a:rPr lang="en"/>
-              <a:t>…And consequences</a:t>
+              <a:t>Grading</a:t>
             </a:r>
             <a:endParaRPr/>
           </a:p>
@@ -10709,61 +11537,10 @@
               <a:buNone/>
             </a:pPr>
             <a:r>
-              <a:rPr lang="en" sz="2100"/>
-              <a:t>Not following these rules can have serious consequences:</a:t>
+              <a:rPr lang="en" sz="3000"/>
+              <a:t>Programming Projects	40%</a:t>
             </a:r>
-            <a:endParaRPr sz="2100"/>
-          </a:p>
-          <a:p>
-            <a:pPr indent="-361950" lvl="0" marL="457200" rtl="0" algn="l">
-              <a:spcBef>
-                <a:spcPts val="1200"/>
-              </a:spcBef>
-              <a:spcAft>
-                <a:spcPts val="0"/>
-              </a:spcAft>
-              <a:buSzPts val="2100"/>
-              <a:buChar char="●"/>
-            </a:pPr>
-            <a:r>
-              <a:rPr lang="en" sz="2100"/>
-              <a:t>Failing the assignment</a:t>
-            </a:r>
-            <a:endParaRPr sz="2100"/>
-          </a:p>
-          <a:p>
-            <a:pPr indent="-361950" lvl="0" marL="457200" rtl="0" algn="l">
-              <a:spcBef>
-                <a:spcPts val="0"/>
-              </a:spcBef>
-              <a:spcAft>
-                <a:spcPts val="0"/>
-              </a:spcAft>
-              <a:buSzPts val="2100"/>
-              <a:buChar char="●"/>
-            </a:pPr>
-            <a:r>
-              <a:rPr lang="en" sz="2100"/>
-              <a:t>Dropping a letter grade in the course</a:t>
-            </a:r>
-            <a:endParaRPr sz="2100"/>
-          </a:p>
-          <a:p>
-            <a:pPr indent="-361950" lvl="0" marL="457200" rtl="0" algn="l">
-              <a:spcBef>
-                <a:spcPts val="0"/>
-              </a:spcBef>
-              <a:spcAft>
-                <a:spcPts val="0"/>
-              </a:spcAft>
-              <a:buSzPts val="2100"/>
-              <a:buChar char="●"/>
-            </a:pPr>
-            <a:r>
-              <a:rPr lang="en" sz="2100"/>
-              <a:t>Automatically failing the course</a:t>
-            </a:r>
-            <a:endParaRPr sz="2100"/>
+            <a:endParaRPr sz="3000"/>
           </a:p>
           <a:p>
             <a:pPr indent="0" lvl="0" marL="0" rtl="0" algn="l">
@@ -10771,19 +11548,47 @@
                 <a:spcPts val="1200"/>
               </a:spcBef>
               <a:spcAft>
-                <a:spcPts val="1200"/>
+                <a:spcPts val="0"/>
               </a:spcAft>
               <a:buNone/>
             </a:pPr>
             <a:r>
-              <a:rPr lang="en" sz="2100"/>
-              <a:t>Don’t let this be you!  </a:t>
+              <a:rPr lang="en" sz="3000"/>
+              <a:t>Labs and Homework 		20%</a:t>
             </a:r>
+            <a:endParaRPr sz="3000"/>
+          </a:p>
+          <a:p>
+            <a:pPr indent="0" lvl="0" marL="0" rtl="0" algn="l">
+              <a:spcBef>
+                <a:spcPts val="1200"/>
+              </a:spcBef>
+              <a:spcAft>
+                <a:spcPts val="0"/>
+              </a:spcAft>
+              <a:buNone/>
+            </a:pPr>
             <a:r>
-              <a:rPr lang="en" sz="2100"/>
-              <a:t>Follow these rules, and I expect a great class together.</a:t>
+              <a:rPr lang="en" sz="3000"/>
+              <a:t>Midterms 1 and 2			12.5% each</a:t>
             </a:r>
-            <a:endParaRPr sz="2100"/>
+            <a:endParaRPr sz="3000"/>
+          </a:p>
+          <a:p>
+            <a:pPr indent="0" lvl="0" marL="0" rtl="0" algn="l">
+              <a:spcBef>
+                <a:spcPts val="1200"/>
+              </a:spcBef>
+              <a:spcAft>
+                <a:spcPts val="1200"/>
+              </a:spcAft>
+              <a:buNone/>
+            </a:pPr>
+            <a:r>
+              <a:rPr lang="en" sz="3000"/>
+              <a:t>Final								15%</a:t>
+            </a:r>
+            <a:endParaRPr sz="3000"/>
           </a:p>
         </p:txBody>
       </p:sp>
@@ -10846,7 +11651,7 @@
             </a:pPr>
             <a:r>
               <a:rPr lang="en"/>
-              <a:t>How to think about this class</a:t>
+              <a:t>Programming Expectations</a:t>
             </a:r>
             <a:endParaRPr/>
           </a:p>
@@ -10875,153 +11680,54 @@
           </a:bodyPr>
           <a:lstStyle/>
           <a:p>
-            <a:pPr indent="-342900" lvl="0" marL="457200" rtl="0" algn="l">
-              <a:spcBef>
-                <a:spcPts val="0"/>
-              </a:spcBef>
-              <a:spcAft>
-                <a:spcPts val="0"/>
-              </a:spcAft>
-              <a:buSzPts val="1800"/>
+            <a:pPr indent="0" lvl="0" marL="0" rtl="0" algn="l">
+              <a:spcBef>
+                <a:spcPts val="0"/>
+              </a:spcBef>
+              <a:spcAft>
+                <a:spcPts val="0"/>
+              </a:spcAft>
+              <a:buNone/>
+            </a:pPr>
+            <a:r>
+              <a:rPr lang="en" sz="2100"/>
+              <a:t>Out-of-class assignments must be done independently, but you can ask for help.  </a:t>
+            </a:r>
+            <a:endParaRPr sz="2100"/>
+          </a:p>
+          <a:p>
+            <a:pPr indent="-381000" lvl="0" marL="457200" rtl="0" algn="l">
+              <a:spcBef>
+                <a:spcPts val="1200"/>
+              </a:spcBef>
+              <a:spcAft>
+                <a:spcPts val="0"/>
+              </a:spcAft>
+              <a:buSzPts val="2400"/>
               <a:buChar char="●"/>
             </a:pPr>
             <a:r>
-              <a:rPr lang="en" sz="1800"/>
-              <a:t>You will think critically and be challenged!</a:t>
+              <a:rPr lang="en" sz="2400"/>
+              <a:t>Rule 1: Do not look at anyone else's code for the same project or a similar project.</a:t>
             </a:r>
-            <a:endParaRPr sz="1800"/>
+            <a:endParaRPr sz="2400"/>
           </a:p>
           <a:p>
-            <a:pPr indent="-330200" lvl="1" marL="914400" rtl="0" algn="l">
-              <a:spcBef>
-                <a:spcPts val="0"/>
-              </a:spcBef>
-              <a:spcAft>
-                <a:spcPts val="0"/>
-              </a:spcAft>
-              <a:buSzPts val="1600"/>
-              <a:buChar char="○"/>
-            </a:pPr>
-            <a:r>
-              <a:rPr lang="en" sz="1600"/>
-              <a:t>Start projects early!!  (Bonus points for early submission!)</a:t>
-            </a:r>
-            <a:endParaRPr sz="1600"/>
-          </a:p>
-          <a:p>
-            <a:pPr indent="-330200" lvl="1" marL="914400" rtl="0" algn="l">
-              <a:spcBef>
-                <a:spcPts val="0"/>
-              </a:spcBef>
-              <a:spcAft>
-                <a:spcPts val="0"/>
-              </a:spcAft>
-              <a:buSzPts val="1600"/>
-              <a:buChar char="○"/>
-            </a:pPr>
-            <a:r>
-              <a:rPr lang="en" sz="1600"/>
-              <a:t>Develop and maintain a coding style.</a:t>
-            </a:r>
-            <a:endParaRPr sz="1600"/>
-          </a:p>
-          <a:p>
-            <a:pPr indent="-342900" lvl="0" marL="457200" rtl="0" algn="l">
-              <a:spcBef>
-                <a:spcPts val="0"/>
-              </a:spcBef>
-              <a:spcAft>
-                <a:spcPts val="0"/>
-              </a:spcAft>
-              <a:buSzPts val="1800"/>
+            <a:pPr indent="-381000" lvl="0" marL="457200" rtl="0" algn="l">
+              <a:spcBef>
+                <a:spcPts val="0"/>
+              </a:spcBef>
+              <a:spcAft>
+                <a:spcPts val="0"/>
+              </a:spcAft>
+              <a:buSzPts val="2400"/>
               <a:buChar char="●"/>
             </a:pPr>
             <a:r>
-              <a:rPr lang="en" sz="1800"/>
-              <a:t>Grades are important…but remember that his class will prepare you for COMP 241.</a:t>
+              <a:rPr lang="en" sz="2400"/>
+              <a:t>Rule 2: Do not write code or pseudocode with anyone else.</a:t>
             </a:r>
-            <a:endParaRPr sz="1800"/>
-          </a:p>
-          <a:p>
-            <a:pPr indent="-330200" lvl="1" marL="914400" rtl="0" algn="l">
-              <a:spcBef>
-                <a:spcPts val="0"/>
-              </a:spcBef>
-              <a:spcAft>
-                <a:spcPts val="0"/>
-              </a:spcAft>
-              <a:buSzPts val="1600"/>
-              <a:buChar char="○"/>
-            </a:pPr>
-            <a:r>
-              <a:rPr lang="en" sz="1600"/>
-              <a:t>Projects are longer and require more time.</a:t>
-            </a:r>
-            <a:endParaRPr sz="1600"/>
-          </a:p>
-          <a:p>
-            <a:pPr indent="-330200" lvl="1" marL="914400" rtl="0" algn="l">
-              <a:spcBef>
-                <a:spcPts val="0"/>
-              </a:spcBef>
-              <a:spcAft>
-                <a:spcPts val="0"/>
-              </a:spcAft>
-              <a:buSzPts val="1600"/>
-              <a:buChar char="○"/>
-            </a:pPr>
-            <a:r>
-              <a:rPr lang="en" sz="1600"/>
-              <a:t>More complicated code organization</a:t>
-            </a:r>
-            <a:endParaRPr sz="1600"/>
-          </a:p>
-          <a:p>
-            <a:pPr indent="-330200" lvl="1" marL="914400" rtl="0" algn="l">
-              <a:spcBef>
-                <a:spcPts val="0"/>
-              </a:spcBef>
-              <a:spcAft>
-                <a:spcPts val="0"/>
-              </a:spcAft>
-              <a:buSzPts val="1600"/>
-              <a:buChar char="○"/>
-            </a:pPr>
-            <a:r>
-              <a:rPr lang="en" sz="1600"/>
-              <a:t>More intensive design</a:t>
-            </a:r>
-            <a:endParaRPr sz="1600"/>
-          </a:p>
-          <a:p>
-            <a:pPr indent="0" lvl="0" marL="0" rtl="0" algn="l">
-              <a:spcBef>
-                <a:spcPts val="1200"/>
-              </a:spcBef>
-              <a:spcAft>
-                <a:spcPts val="0"/>
-              </a:spcAft>
-              <a:buNone/>
-            </a:pPr>
-            <a:r>
-              <a:t/>
-            </a:r>
-            <a:endParaRPr sz="1800"/>
-          </a:p>
-          <a:p>
-            <a:pPr indent="0" lvl="0" marL="0" rtl="0" algn="l">
-              <a:spcBef>
-                <a:spcPts val="1200"/>
-              </a:spcBef>
-              <a:spcAft>
-                <a:spcPts val="1200"/>
-              </a:spcAft>
-              <a:buNone/>
-            </a:pPr>
-            <a:r>
-              <a:t/>
-            </a:r>
-            <a:endParaRPr sz="1800"/>
+            <a:endParaRPr sz="2400"/>
           </a:p>
         </p:txBody>
       </p:sp>
@@ -11084,7 +11790,7 @@
             </a:pPr>
             <a:r>
               <a:rPr lang="en"/>
-              <a:t>Any questions?</a:t>
+              <a:t>…And consequences</a:t>
             </a:r>
             <a:endParaRPr/>
           </a:p>
@@ -11113,9 +11819,25 @@
           </a:bodyPr>
           <a:lstStyle/>
           <a:p>
+            <a:pPr indent="0" lvl="0" marL="0" rtl="0" algn="l">
+              <a:spcBef>
+                <a:spcPts val="0"/>
+              </a:spcBef>
+              <a:spcAft>
+                <a:spcPts val="0"/>
+              </a:spcAft>
+              <a:buNone/>
+            </a:pPr>
+            <a:r>
+              <a:rPr lang="en" sz="2100"/>
+              <a:t>Not following these rules can have serious consequences:</a:t>
+            </a:r>
+            <a:endParaRPr sz="2100"/>
+          </a:p>
+          <a:p>
             <a:pPr indent="-361950" lvl="0" marL="457200" rtl="0" algn="l">
               <a:spcBef>
-                <a:spcPts val="0"/>
+                <a:spcPts val="1200"/>
               </a:spcBef>
               <a:spcAft>
                 <a:spcPts val="0"/>
@@ -11125,7 +11847,7 @@
             </a:pPr>
             <a:r>
               <a:rPr lang="en" sz="2100"/>
-              <a:t>Class</a:t>
+              <a:t>Failing the assignment</a:t>
             </a:r>
             <a:endParaRPr sz="2100"/>
           </a:p>
@@ -11142,7 +11864,7 @@
             </a:pPr>
             <a:r>
               <a:rPr lang="en" sz="2100"/>
-              <a:t>Syllabus</a:t>
+              <a:t>Dropping a letter grade in the course</a:t>
             </a:r>
             <a:endParaRPr sz="2100"/>
           </a:p>
@@ -11159,7 +11881,27 @@
             </a:pPr>
             <a:r>
               <a:rPr lang="en" sz="2100"/>
-              <a:t>These slides</a:t>
+              <a:t>Automatically failing the course</a:t>
+            </a:r>
+            <a:endParaRPr sz="2100"/>
+          </a:p>
+          <a:p>
+            <a:pPr indent="0" lvl="0" marL="0" rtl="0" algn="l">
+              <a:spcBef>
+                <a:spcPts val="1200"/>
+              </a:spcBef>
+              <a:spcAft>
+                <a:spcPts val="1200"/>
+              </a:spcAft>
+              <a:buNone/>
+            </a:pPr>
+            <a:r>
+              <a:rPr lang="en" sz="2100"/>
+              <a:t>Don’t let this be you!  </a:t>
+            </a:r>
+            <a:r>
+              <a:rPr lang="en" sz="2100"/>
+              <a:t>Follow these rules, and I expect a great class together.</a:t>
             </a:r>
             <a:endParaRPr sz="2100"/>
           </a:p>
@@ -11224,7 +11966,7 @@
             </a:pPr>
             <a:r>
               <a:rPr lang="en"/>
-              <a:t>Introduce yourself</a:t>
+              <a:t>How to think about this class</a:t>
             </a:r>
             <a:endParaRPr/>
           </a:p>
@@ -11249,76 +11991,157 @@
         </p:spPr>
         <p:txBody>
           <a:bodyPr anchorCtr="0" anchor="t" bIns="91425" lIns="91425" spcFirstLastPara="1" rIns="91425" wrap="square" tIns="91425">
-            <a:normAutofit/>
+            <a:noAutofit/>
           </a:bodyPr>
           <a:lstStyle/>
           <a:p>
-            <a:pPr indent="-361950" lvl="0" marL="457200" rtl="0" algn="l">
-              <a:spcBef>
-                <a:spcPts val="0"/>
-              </a:spcBef>
-              <a:spcAft>
-                <a:spcPts val="0"/>
-              </a:spcAft>
-              <a:buSzPts val="2100"/>
+            <a:pPr indent="-342900" lvl="0" marL="457200" rtl="0" algn="l">
+              <a:spcBef>
+                <a:spcPts val="0"/>
+              </a:spcBef>
+              <a:spcAft>
+                <a:spcPts val="0"/>
+              </a:spcAft>
+              <a:buSzPts val="1800"/>
               <a:buChar char="●"/>
             </a:pPr>
             <a:r>
-              <a:rPr lang="en" sz="2100"/>
-              <a:t>Name</a:t>
+              <a:rPr lang="en" sz="1800"/>
+              <a:t>You will think critically and be challenged!</a:t>
             </a:r>
-            <a:endParaRPr sz="2100"/>
+            <a:endParaRPr sz="1800"/>
           </a:p>
           <a:p>
-            <a:pPr indent="-361950" lvl="0" marL="457200" rtl="0" algn="l">
-              <a:spcBef>
-                <a:spcPts val="0"/>
-              </a:spcBef>
-              <a:spcAft>
-                <a:spcPts val="0"/>
-              </a:spcAft>
-              <a:buSzPts val="2100"/>
+            <a:pPr indent="-330200" lvl="1" marL="914400" rtl="0" algn="l">
+              <a:spcBef>
+                <a:spcPts val="0"/>
+              </a:spcBef>
+              <a:spcAft>
+                <a:spcPts val="0"/>
+              </a:spcAft>
+              <a:buSzPts val="1600"/>
+              <a:buChar char="○"/>
+            </a:pPr>
+            <a:r>
+              <a:rPr lang="en" sz="1600"/>
+              <a:t>Start projects early!!  (Bonus points for early submission!)</a:t>
+            </a:r>
+            <a:endParaRPr sz="1600"/>
+          </a:p>
+          <a:p>
+            <a:pPr indent="-330200" lvl="1" marL="914400" rtl="0" algn="l">
+              <a:spcBef>
+                <a:spcPts val="0"/>
+              </a:spcBef>
+              <a:spcAft>
+                <a:spcPts val="0"/>
+              </a:spcAft>
+              <a:buSzPts val="1600"/>
+              <a:buChar char="○"/>
+            </a:pPr>
+            <a:r>
+              <a:rPr lang="en" sz="1600"/>
+              <a:t>Develop and maintain a coding style.</a:t>
+            </a:r>
+            <a:endParaRPr sz="1600"/>
+          </a:p>
+          <a:p>
+            <a:pPr indent="-342900" lvl="0" marL="457200" rtl="0" algn="l">
+              <a:spcBef>
+                <a:spcPts val="0"/>
+              </a:spcBef>
+              <a:spcAft>
+                <a:spcPts val="0"/>
+              </a:spcAft>
+              <a:buSzPts val="1800"/>
               <a:buChar char="●"/>
             </a:pPr>
             <a:r>
-              <a:rPr lang="en" sz="2100"/>
-              <a:t>Class year</a:t>
+              <a:rPr lang="en" sz="1800"/>
+              <a:t>Grades are important…but remember that his class will prepare you for COMP 241.</a:t>
             </a:r>
-            <a:endParaRPr sz="2100"/>
+            <a:endParaRPr sz="1800"/>
           </a:p>
           <a:p>
-            <a:pPr indent="-361950" lvl="0" marL="457200" rtl="0" algn="l">
-              <a:spcBef>
-                <a:spcPts val="0"/>
-              </a:spcBef>
-              <a:spcAft>
-                <a:spcPts val="0"/>
-              </a:spcAft>
-              <a:buSzPts val="2100"/>
-              <a:buChar char="●"/>
+            <a:pPr indent="-330200" lvl="1" marL="914400" rtl="0" algn="l">
+              <a:spcBef>
+                <a:spcPts val="0"/>
+              </a:spcBef>
+              <a:spcAft>
+                <a:spcPts val="0"/>
+              </a:spcAft>
+              <a:buSzPts val="1600"/>
+              <a:buChar char="○"/>
             </a:pPr>
             <a:r>
-              <a:rPr lang="en" sz="2100"/>
-              <a:t>Where you’re from</a:t>
+              <a:rPr lang="en" sz="1600"/>
+              <a:t>Projects are longer and require more time.</a:t>
             </a:r>
-            <a:endParaRPr sz="2100"/>
+            <a:endParaRPr sz="1600"/>
           </a:p>
           <a:p>
-            <a:pPr indent="-361950" lvl="0" marL="457200" rtl="0" algn="l">
-              <a:spcBef>
-                <a:spcPts val="0"/>
-              </a:spcBef>
-              <a:spcAft>
-                <a:spcPts val="0"/>
-              </a:spcAft>
-              <a:buSzPts val="2100"/>
-              <a:buChar char="●"/>
+            <a:pPr indent="-330200" lvl="1" marL="914400" rtl="0" algn="l">
+              <a:spcBef>
+                <a:spcPts val="0"/>
+              </a:spcBef>
+              <a:spcAft>
+                <a:spcPts val="0"/>
+              </a:spcAft>
+              <a:buSzPts val="1600"/>
+              <a:buChar char="○"/>
             </a:pPr>
             <a:r>
-              <a:rPr lang="en" sz="2100"/>
-              <a:t>Something fun or something you want us to know about you!</a:t>
+              <a:rPr lang="en" sz="1600"/>
+              <a:t>More complicated code organization</a:t>
             </a:r>
-            <a:endParaRPr sz="2100"/>
+            <a:endParaRPr sz="1600"/>
+          </a:p>
+          <a:p>
+            <a:pPr indent="-330200" lvl="1" marL="914400" rtl="0" algn="l">
+              <a:spcBef>
+                <a:spcPts val="0"/>
+              </a:spcBef>
+              <a:spcAft>
+                <a:spcPts val="0"/>
+              </a:spcAft>
+              <a:buSzPts val="1600"/>
+              <a:buChar char="○"/>
+            </a:pPr>
+            <a:r>
+              <a:rPr lang="en" sz="1600"/>
+              <a:t>More intensive design</a:t>
+            </a:r>
+            <a:endParaRPr sz="1600"/>
+          </a:p>
+          <a:p>
+            <a:pPr indent="0" lvl="0" marL="0" rtl="0" algn="l">
+              <a:spcBef>
+                <a:spcPts val="1200"/>
+              </a:spcBef>
+              <a:spcAft>
+                <a:spcPts val="0"/>
+              </a:spcAft>
+              <a:buNone/>
+            </a:pPr>
+            <a:r>
+              <a:t/>
+            </a:r>
+            <a:endParaRPr sz="1800"/>
+          </a:p>
+          <a:p>
+            <a:pPr indent="0" lvl="0" marL="0" rtl="0" algn="l">
+              <a:spcBef>
+                <a:spcPts val="1200"/>
+              </a:spcBef>
+              <a:spcAft>
+                <a:spcPts val="1200"/>
+              </a:spcAft>
+              <a:buNone/>
+            </a:pPr>
+            <a:r>
+              <a:t/>
+            </a:r>
+            <a:endParaRPr sz="1800"/>
           </a:p>
         </p:txBody>
       </p:sp>
